--- a/University/3rd/Project/Proposal.pptx
+++ b/University/3rd/Project/Proposal.pptx
@@ -9,9 +9,14 @@
     <p:sldId id="257" r:id="rId3"/>
     <p:sldId id="258" r:id="rId4"/>
     <p:sldId id="259" r:id="rId5"/>
-    <p:sldId id="260" r:id="rId6"/>
-    <p:sldId id="261" r:id="rId7"/>
-    <p:sldId id="262" r:id="rId8"/>
+    <p:sldId id="263" r:id="rId6"/>
+    <p:sldId id="260" r:id="rId7"/>
+    <p:sldId id="261" r:id="rId8"/>
+    <p:sldId id="262" r:id="rId9"/>
+    <p:sldId id="264" r:id="rId10"/>
+    <p:sldId id="265" r:id="rId11"/>
+    <p:sldId id="266" r:id="rId12"/>
+    <p:sldId id="267" r:id="rId13"/>
   </p:sldIdLst>
   <p:sldSz cx="12192000" cy="6858000"/>
   <p:notesSz cx="6858000" cy="9144000"/>
@@ -110,6 +115,11 @@
       </a:defRPr>
     </a:lvl9pPr>
   </p:defaultTextStyle>
+  <p:extLst>
+    <p:ext uri="{EFAFB233-063F-42B5-8137-9DF3F51BA10A}">
+      <p15:sldGuideLst xmlns:p15="http://schemas.microsoft.com/office/powerpoint/2012/main"/>
+    </p:ext>
+  </p:extLst>
 </p:presentation>
 </file>
 
@@ -260,7 +270,7 @@
           <a:p>
             <a:fld id="{4EA9A6A7-929D-4C69-9605-1364AF7F6343}" type="datetimeFigureOut">
               <a:rPr lang="en-US" smtClean="0"/>
-              <a:t>9/28/2023</a:t>
+              <a:t>10/6/2023</a:t>
             </a:fld>
             <a:endParaRPr lang="en-US"/>
           </a:p>
@@ -458,7 +468,7 @@
           <a:p>
             <a:fld id="{4EA9A6A7-929D-4C69-9605-1364AF7F6343}" type="datetimeFigureOut">
               <a:rPr lang="en-US" smtClean="0"/>
-              <a:t>9/28/2023</a:t>
+              <a:t>10/6/2023</a:t>
             </a:fld>
             <a:endParaRPr lang="en-US"/>
           </a:p>
@@ -666,7 +676,7 @@
           <a:p>
             <a:fld id="{4EA9A6A7-929D-4C69-9605-1364AF7F6343}" type="datetimeFigureOut">
               <a:rPr lang="en-US" smtClean="0"/>
-              <a:t>9/28/2023</a:t>
+              <a:t>10/6/2023</a:t>
             </a:fld>
             <a:endParaRPr lang="en-US"/>
           </a:p>
@@ -864,7 +874,7 @@
           <a:p>
             <a:fld id="{4EA9A6A7-929D-4C69-9605-1364AF7F6343}" type="datetimeFigureOut">
               <a:rPr lang="en-US" smtClean="0"/>
-              <a:t>9/28/2023</a:t>
+              <a:t>10/6/2023</a:t>
             </a:fld>
             <a:endParaRPr lang="en-US"/>
           </a:p>
@@ -1139,7 +1149,7 @@
           <a:p>
             <a:fld id="{4EA9A6A7-929D-4C69-9605-1364AF7F6343}" type="datetimeFigureOut">
               <a:rPr lang="en-US" smtClean="0"/>
-              <a:t>9/28/2023</a:t>
+              <a:t>10/6/2023</a:t>
             </a:fld>
             <a:endParaRPr lang="en-US"/>
           </a:p>
@@ -1404,7 +1414,7 @@
           <a:p>
             <a:fld id="{4EA9A6A7-929D-4C69-9605-1364AF7F6343}" type="datetimeFigureOut">
               <a:rPr lang="en-US" smtClean="0"/>
-              <a:t>9/28/2023</a:t>
+              <a:t>10/6/2023</a:t>
             </a:fld>
             <a:endParaRPr lang="en-US"/>
           </a:p>
@@ -1816,7 +1826,7 @@
           <a:p>
             <a:fld id="{4EA9A6A7-929D-4C69-9605-1364AF7F6343}" type="datetimeFigureOut">
               <a:rPr lang="en-US" smtClean="0"/>
-              <a:t>9/28/2023</a:t>
+              <a:t>10/6/2023</a:t>
             </a:fld>
             <a:endParaRPr lang="en-US"/>
           </a:p>
@@ -1957,7 +1967,7 @@
           <a:p>
             <a:fld id="{4EA9A6A7-929D-4C69-9605-1364AF7F6343}" type="datetimeFigureOut">
               <a:rPr lang="en-US" smtClean="0"/>
-              <a:t>9/28/2023</a:t>
+              <a:t>10/6/2023</a:t>
             </a:fld>
             <a:endParaRPr lang="en-US"/>
           </a:p>
@@ -2070,7 +2080,7 @@
           <a:p>
             <a:fld id="{4EA9A6A7-929D-4C69-9605-1364AF7F6343}" type="datetimeFigureOut">
               <a:rPr lang="en-US" smtClean="0"/>
-              <a:t>9/28/2023</a:t>
+              <a:t>10/6/2023</a:t>
             </a:fld>
             <a:endParaRPr lang="en-US"/>
           </a:p>
@@ -2381,7 +2391,7 @@
           <a:p>
             <a:fld id="{4EA9A6A7-929D-4C69-9605-1364AF7F6343}" type="datetimeFigureOut">
               <a:rPr lang="en-US" smtClean="0"/>
-              <a:t>9/28/2023</a:t>
+              <a:t>10/6/2023</a:t>
             </a:fld>
             <a:endParaRPr lang="en-US"/>
           </a:p>
@@ -2669,7 +2679,7 @@
           <a:p>
             <a:fld id="{4EA9A6A7-929D-4C69-9605-1364AF7F6343}" type="datetimeFigureOut">
               <a:rPr lang="en-US" smtClean="0"/>
-              <a:t>9/28/2023</a:t>
+              <a:t>10/6/2023</a:t>
             </a:fld>
             <a:endParaRPr lang="en-US"/>
           </a:p>
@@ -2910,7 +2920,7 @@
           <a:p>
             <a:fld id="{4EA9A6A7-929D-4C69-9605-1364AF7F6343}" type="datetimeFigureOut">
               <a:rPr lang="en-US" smtClean="0"/>
-              <a:t>9/28/2023</a:t>
+              <a:t>10/6/2023</a:t>
             </a:fld>
             <a:endParaRPr lang="en-US"/>
           </a:p>
@@ -3349,48 +3359,11 @@
           <a:lstStyle/>
           <a:p>
             <a:r>
-              <a:rPr lang="en-US" b="1" i="0" dirty="0" err="1">
+              <a:rPr lang="en-US" altLang="zh-CN" b="1" i="0" dirty="0">
                 <a:effectLst/>
                 <a:latin typeface="Söhne"/>
               </a:rPr>
-              <a:t>LiteLines</a:t>
-            </a:r>
-            <a:endParaRPr lang="en-US" dirty="0"/>
-          </a:p>
-        </p:txBody>
-      </p:sp>
-      <p:sp>
-        <p:nvSpPr>
-          <p:cNvPr id="3" name="Subtitle 2">
-            <a:extLst>
-              <a:ext uri="{FF2B5EF4-FFF2-40B4-BE49-F238E27FC236}">
-                <a16:creationId xmlns:a16="http://schemas.microsoft.com/office/drawing/2014/main" id="{1C8FEA8B-428A-A334-F72B-E0555CADAA9C}"/>
-              </a:ext>
-            </a:extLst>
-          </p:cNvPr>
-          <p:cNvSpPr>
-            <a:spLocks noGrp="1"/>
-          </p:cNvSpPr>
-          <p:nvPr>
-            <p:ph type="subTitle" idx="1"/>
-          </p:nvPr>
-        </p:nvSpPr>
-        <p:spPr/>
-        <p:txBody>
-          <a:bodyPr/>
-          <a:lstStyle/>
-          <a:p>
-            <a:r>
-              <a:rPr lang="en-US" dirty="0"/>
-              <a:t>--- </a:t>
-            </a:r>
-            <a:r>
-              <a:rPr lang="en-US" altLang="zh-CN" dirty="0" err="1"/>
-              <a:t>Zijun</a:t>
-            </a:r>
-            <a:r>
-              <a:rPr lang="en-US" altLang="zh-CN" dirty="0"/>
-              <a:t> Li</a:t>
+              <a:t>Mirror News Summarizer</a:t>
             </a:r>
             <a:endParaRPr lang="en-US" dirty="0"/>
           </a:p>
@@ -3400,6 +3373,479 @@
     <p:extLst>
       <p:ext uri="{BB962C8B-B14F-4D97-AF65-F5344CB8AC3E}">
         <p14:creationId xmlns:p14="http://schemas.microsoft.com/office/powerpoint/2010/main" val="4143855145"/>
+      </p:ext>
+    </p:extLst>
+  </p:cSld>
+  <p:clrMapOvr>
+    <a:masterClrMapping/>
+  </p:clrMapOvr>
+</p:sld>
+</file>
+
+<file path=ppt/slides/slide10.xml><?xml version="1.0" encoding="utf-8"?>
+<p:sld xmlns:a="http://schemas.openxmlformats.org/drawingml/2006/main" xmlns:r="http://schemas.openxmlformats.org/officeDocument/2006/relationships" xmlns:p="http://schemas.openxmlformats.org/presentationml/2006/main">
+  <p:cSld>
+    <p:spTree>
+      <p:nvGrpSpPr>
+        <p:cNvPr id="1" name=""/>
+        <p:cNvGrpSpPr/>
+        <p:nvPr/>
+      </p:nvGrpSpPr>
+      <p:grpSpPr>
+        <a:xfrm>
+          <a:off x="0" y="0"/>
+          <a:ext cx="0" cy="0"/>
+          <a:chOff x="0" y="0"/>
+          <a:chExt cx="0" cy="0"/>
+        </a:xfrm>
+      </p:grpSpPr>
+      <p:sp>
+        <p:nvSpPr>
+          <p:cNvPr id="2" name="Title 1">
+            <a:extLst>
+              <a:ext uri="{FF2B5EF4-FFF2-40B4-BE49-F238E27FC236}">
+                <a16:creationId xmlns:a16="http://schemas.microsoft.com/office/drawing/2014/main" id="{4C7EF82B-25CE-F194-0438-A0444E9A196E}"/>
+              </a:ext>
+            </a:extLst>
+          </p:cNvPr>
+          <p:cNvSpPr>
+            <a:spLocks noGrp="1"/>
+          </p:cNvSpPr>
+          <p:nvPr>
+            <p:ph type="title"/>
+          </p:nvPr>
+        </p:nvSpPr>
+        <p:spPr/>
+        <p:txBody>
+          <a:bodyPr>
+            <a:normAutofit/>
+          </a:bodyPr>
+          <a:lstStyle/>
+          <a:p>
+            <a:r>
+              <a:rPr lang="en-US" b="1" dirty="0">
+                <a:solidFill>
+                  <a:srgbClr val="569CD6"/>
+                </a:solidFill>
+                <a:effectLst/>
+                <a:latin typeface="Consolas" panose="020B0609020204030204" pitchFamily="49" charset="0"/>
+              </a:rPr>
+              <a:t>1. What is your project? – Aims and Objectives.</a:t>
+            </a:r>
+            <a:endParaRPr lang="en-US" dirty="0"/>
+          </a:p>
+        </p:txBody>
+      </p:sp>
+      <p:sp>
+        <p:nvSpPr>
+          <p:cNvPr id="3" name="Content Placeholder 2">
+            <a:extLst>
+              <a:ext uri="{FF2B5EF4-FFF2-40B4-BE49-F238E27FC236}">
+                <a16:creationId xmlns:a16="http://schemas.microsoft.com/office/drawing/2014/main" id="{D83A0784-7349-3414-F29D-1CFDBC2E82A7}"/>
+              </a:ext>
+            </a:extLst>
+          </p:cNvPr>
+          <p:cNvSpPr>
+            <a:spLocks noGrp="1"/>
+          </p:cNvSpPr>
+          <p:nvPr>
+            <p:ph idx="1"/>
+          </p:nvPr>
+        </p:nvSpPr>
+        <p:spPr/>
+        <p:txBody>
+          <a:bodyPr/>
+          <a:lstStyle/>
+          <a:p>
+            <a:r>
+              <a:rPr lang="en-US" altLang="zh-CN" b="0" dirty="0">
+                <a:effectLst/>
+                <a:latin typeface="Consolas" panose="020B0609020204030204" pitchFamily="49" charset="0"/>
+              </a:rPr>
+              <a:t>aims to create a platform that fetches real-time news from diverse sources, produces concise summaries, and visualizes key concepts and relationships via a knowledge graph.</a:t>
+            </a:r>
+          </a:p>
+          <a:p>
+            <a:br>
+              <a:rPr lang="zh-CN" altLang="en-US" b="0" dirty="0">
+                <a:solidFill>
+                  <a:srgbClr val="CCCCCC"/>
+                </a:solidFill>
+                <a:effectLst/>
+                <a:latin typeface="Consolas" panose="020B0609020204030204" pitchFamily="49" charset="0"/>
+              </a:rPr>
+            </a:br>
+            <a:endParaRPr lang="zh-CN" altLang="en-US" b="0" dirty="0">
+              <a:solidFill>
+                <a:srgbClr val="CCCCCC"/>
+              </a:solidFill>
+              <a:effectLst/>
+              <a:latin typeface="Consolas" panose="020B0609020204030204" pitchFamily="49" charset="0"/>
+            </a:endParaRPr>
+          </a:p>
+          <a:p>
+            <a:endParaRPr lang="en-US" dirty="0"/>
+          </a:p>
+        </p:txBody>
+      </p:sp>
+    </p:spTree>
+    <p:extLst>
+      <p:ext uri="{BB962C8B-B14F-4D97-AF65-F5344CB8AC3E}">
+        <p14:creationId xmlns:p14="http://schemas.microsoft.com/office/powerpoint/2010/main" val="457145158"/>
+      </p:ext>
+    </p:extLst>
+  </p:cSld>
+  <p:clrMapOvr>
+    <a:masterClrMapping/>
+  </p:clrMapOvr>
+</p:sld>
+</file>
+
+<file path=ppt/slides/slide11.xml><?xml version="1.0" encoding="utf-8"?>
+<p:sld xmlns:a="http://schemas.openxmlformats.org/drawingml/2006/main" xmlns:r="http://schemas.openxmlformats.org/officeDocument/2006/relationships" xmlns:p="http://schemas.openxmlformats.org/presentationml/2006/main">
+  <p:cSld>
+    <p:spTree>
+      <p:nvGrpSpPr>
+        <p:cNvPr id="1" name=""/>
+        <p:cNvGrpSpPr/>
+        <p:nvPr/>
+      </p:nvGrpSpPr>
+      <p:grpSpPr>
+        <a:xfrm>
+          <a:off x="0" y="0"/>
+          <a:ext cx="0" cy="0"/>
+          <a:chOff x="0" y="0"/>
+          <a:chExt cx="0" cy="0"/>
+        </a:xfrm>
+      </p:grpSpPr>
+      <p:sp>
+        <p:nvSpPr>
+          <p:cNvPr id="2" name="Title 1">
+            <a:extLst>
+              <a:ext uri="{FF2B5EF4-FFF2-40B4-BE49-F238E27FC236}">
+                <a16:creationId xmlns:a16="http://schemas.microsoft.com/office/drawing/2014/main" id="{F2FAD235-B878-7BA7-1B9E-B87F38BEDEAD}"/>
+              </a:ext>
+            </a:extLst>
+          </p:cNvPr>
+          <p:cNvSpPr>
+            <a:spLocks noGrp="1"/>
+          </p:cNvSpPr>
+          <p:nvPr>
+            <p:ph type="title"/>
+          </p:nvPr>
+        </p:nvSpPr>
+        <p:spPr/>
+        <p:txBody>
+          <a:bodyPr>
+            <a:normAutofit fontScale="90000"/>
+          </a:bodyPr>
+          <a:lstStyle/>
+          <a:p>
+            <a:r>
+              <a:rPr lang="en-US" b="1" dirty="0">
+                <a:solidFill>
+                  <a:srgbClr val="569CD6"/>
+                </a:solidFill>
+                <a:effectLst/>
+                <a:latin typeface="Consolas" panose="020B0609020204030204" pitchFamily="49" charset="0"/>
+              </a:rPr>
+              <a:t>4. Methodology – how you are going to address the challenge(s).</a:t>
+            </a:r>
+            <a:endParaRPr lang="en-US" dirty="0"/>
+          </a:p>
+        </p:txBody>
+      </p:sp>
+      <p:pic>
+        <p:nvPicPr>
+          <p:cNvPr id="6" name="Picture 5">
+            <a:extLst>
+              <a:ext uri="{FF2B5EF4-FFF2-40B4-BE49-F238E27FC236}">
+                <a16:creationId xmlns:a16="http://schemas.microsoft.com/office/drawing/2014/main" id="{31A96515-3BD9-33C9-BC5B-85C4BCFC8D19}"/>
+              </a:ext>
+            </a:extLst>
+          </p:cNvPr>
+          <p:cNvPicPr>
+            <a:picLocks noChangeAspect="1"/>
+          </p:cNvPicPr>
+          <p:nvPr/>
+        </p:nvPicPr>
+        <p:blipFill>
+          <a:blip r:embed="rId2"/>
+          <a:stretch>
+            <a:fillRect/>
+          </a:stretch>
+        </p:blipFill>
+        <p:spPr>
+          <a:xfrm>
+            <a:off x="4194889" y="1690688"/>
+            <a:ext cx="3194080" cy="4908550"/>
+          </a:xfrm>
+          <a:prstGeom prst="rect">
+            <a:avLst/>
+          </a:prstGeom>
+        </p:spPr>
+      </p:pic>
+    </p:spTree>
+    <p:extLst>
+      <p:ext uri="{BB962C8B-B14F-4D97-AF65-F5344CB8AC3E}">
+        <p14:creationId xmlns:p14="http://schemas.microsoft.com/office/powerpoint/2010/main" val="1808228007"/>
+      </p:ext>
+    </p:extLst>
+  </p:cSld>
+  <p:clrMapOvr>
+    <a:masterClrMapping/>
+  </p:clrMapOvr>
+</p:sld>
+</file>
+
+<file path=ppt/slides/slide12.xml><?xml version="1.0" encoding="utf-8"?>
+<p:sld xmlns:a="http://schemas.openxmlformats.org/drawingml/2006/main" xmlns:r="http://schemas.openxmlformats.org/officeDocument/2006/relationships" xmlns:p="http://schemas.openxmlformats.org/presentationml/2006/main">
+  <p:cSld>
+    <p:spTree>
+      <p:nvGrpSpPr>
+        <p:cNvPr id="1" name=""/>
+        <p:cNvGrpSpPr/>
+        <p:nvPr/>
+      </p:nvGrpSpPr>
+      <p:grpSpPr>
+        <a:xfrm>
+          <a:off x="0" y="0"/>
+          <a:ext cx="0" cy="0"/>
+          <a:chOff x="0" y="0"/>
+          <a:chExt cx="0" cy="0"/>
+        </a:xfrm>
+      </p:grpSpPr>
+      <p:sp>
+        <p:nvSpPr>
+          <p:cNvPr id="2" name="Title 1">
+            <a:extLst>
+              <a:ext uri="{FF2B5EF4-FFF2-40B4-BE49-F238E27FC236}">
+                <a16:creationId xmlns:a16="http://schemas.microsoft.com/office/drawing/2014/main" id="{F2FAD235-B878-7BA7-1B9E-B87F38BEDEAD}"/>
+              </a:ext>
+            </a:extLst>
+          </p:cNvPr>
+          <p:cNvSpPr>
+            <a:spLocks noGrp="1"/>
+          </p:cNvSpPr>
+          <p:nvPr>
+            <p:ph type="title"/>
+          </p:nvPr>
+        </p:nvSpPr>
+        <p:spPr/>
+        <p:txBody>
+          <a:bodyPr>
+            <a:normAutofit fontScale="90000"/>
+          </a:bodyPr>
+          <a:lstStyle/>
+          <a:p>
+            <a:r>
+              <a:rPr lang="en-US" b="1" dirty="0">
+                <a:solidFill>
+                  <a:srgbClr val="569CD6"/>
+                </a:solidFill>
+                <a:effectLst/>
+                <a:latin typeface="Consolas" panose="020B0609020204030204" pitchFamily="49" charset="0"/>
+              </a:rPr>
+              <a:t>4. Methodology – how you are going to address the challenge(s).</a:t>
+            </a:r>
+            <a:endParaRPr lang="en-US" dirty="0"/>
+          </a:p>
+        </p:txBody>
+      </p:sp>
+      <p:sp>
+        <p:nvSpPr>
+          <p:cNvPr id="4" name="TextBox 3">
+            <a:extLst>
+              <a:ext uri="{FF2B5EF4-FFF2-40B4-BE49-F238E27FC236}">
+                <a16:creationId xmlns:a16="http://schemas.microsoft.com/office/drawing/2014/main" id="{8FD54745-4863-FDBE-C616-1029E3B181FE}"/>
+              </a:ext>
+            </a:extLst>
+          </p:cNvPr>
+          <p:cNvSpPr txBox="1"/>
+          <p:nvPr/>
+        </p:nvSpPr>
+        <p:spPr>
+          <a:xfrm>
+            <a:off x="412750" y="1690688"/>
+            <a:ext cx="11366500" cy="4801314"/>
+          </a:xfrm>
+          <a:prstGeom prst="rect">
+            <a:avLst/>
+          </a:prstGeom>
+          <a:noFill/>
+        </p:spPr>
+        <p:txBody>
+          <a:bodyPr wrap="square">
+            <a:spAutoFit/>
+          </a:bodyPr>
+          <a:lstStyle/>
+          <a:p>
+            <a:r>
+              <a:rPr lang="en-US" b="1" dirty="0"/>
+              <a:t>Gather News via Consolidated News API</a:t>
+            </a:r>
+            <a:r>
+              <a:rPr lang="en-US" dirty="0"/>
+              <a:t>: The initial data collection step.</a:t>
+            </a:r>
+          </a:p>
+          <a:p>
+            <a:r>
+              <a:rPr lang="en-US" b="1" dirty="0"/>
+              <a:t>Request News API</a:t>
+            </a:r>
+            <a:r>
+              <a:rPr lang="en-US" dirty="0"/>
+              <a:t>: Send a request to the API to fetch news data.</a:t>
+            </a:r>
+          </a:p>
+          <a:p>
+            <a:r>
+              <a:rPr lang="en-US" b="1" dirty="0"/>
+              <a:t>Collect Returned News Data</a:t>
+            </a:r>
+            <a:r>
+              <a:rPr lang="en-US" dirty="0"/>
+              <a:t>: Store the data returned by the API into a formatted dataset.</a:t>
+            </a:r>
+          </a:p>
+          <a:p>
+            <a:r>
+              <a:rPr lang="en-US" b="1" dirty="0"/>
+              <a:t>Data Preprocessing</a:t>
+            </a:r>
+            <a:r>
+              <a:rPr lang="en-US" dirty="0"/>
+              <a:t>:</a:t>
+            </a:r>
+          </a:p>
+          <a:p>
+            <a:r>
+              <a:rPr lang="en-US" b="1" dirty="0"/>
+              <a:t>Data Cleaning</a:t>
+            </a:r>
+            <a:r>
+              <a:rPr lang="en-US" dirty="0"/>
+              <a:t>: Remove duplicates, clean incomplete or corrupted data.</a:t>
+            </a:r>
+          </a:p>
+          <a:p>
+            <a:r>
+              <a:rPr lang="en-US" dirty="0"/>
+              <a:t>Remove Irrelevant Content and Ads: Strip out any non-relevant information such as advertisements or comments.</a:t>
+            </a:r>
+          </a:p>
+          <a:p>
+            <a:r>
+              <a:rPr lang="en-US" b="1" dirty="0"/>
+              <a:t>Standardize Data Format</a:t>
+            </a:r>
+            <a:r>
+              <a:rPr lang="en-US" dirty="0"/>
+              <a:t>: Ensure all data adheres to a consistent and uniform format.</a:t>
+            </a:r>
+          </a:p>
+          <a:p>
+            <a:r>
+              <a:rPr lang="en-US" b="1" dirty="0"/>
+              <a:t>Automatic Summary Generation</a:t>
+            </a:r>
+            <a:r>
+              <a:rPr lang="en-US" dirty="0"/>
+              <a:t>:</a:t>
+            </a:r>
+          </a:p>
+          <a:p>
+            <a:r>
+              <a:rPr lang="en-US" b="1" dirty="0"/>
+              <a:t>Generate Summary for Each News Article</a:t>
+            </a:r>
+            <a:r>
+              <a:rPr lang="en-US" dirty="0"/>
+              <a:t>: Use NLP tools or API to produce concise summaries for each news article.</a:t>
+            </a:r>
+          </a:p>
+          <a:p>
+            <a:r>
+              <a:rPr lang="en-US" dirty="0"/>
+              <a:t>Knowledge Graph Construction:</a:t>
+            </a:r>
+          </a:p>
+          <a:p>
+            <a:r>
+              <a:rPr lang="en-US" b="1" dirty="0"/>
+              <a:t>Entity Recognition from News</a:t>
+            </a:r>
+            <a:r>
+              <a:rPr lang="en-US" dirty="0"/>
+              <a:t>: Identify key entities within the news such as names, places, and events.</a:t>
+            </a:r>
+          </a:p>
+          <a:p>
+            <a:r>
+              <a:rPr lang="en-US" b="1" dirty="0"/>
+              <a:t>Identify Relations Between Entities</a:t>
+            </a:r>
+            <a:r>
+              <a:rPr lang="en-US" dirty="0"/>
+              <a:t>: Determine the relationships between entities based on context.</a:t>
+            </a:r>
+          </a:p>
+          <a:p>
+            <a:r>
+              <a:rPr lang="en-US" b="1" dirty="0"/>
+              <a:t>Store Entities and Relations in Knowledge Graph</a:t>
+            </a:r>
+            <a:r>
+              <a:rPr lang="en-US" dirty="0"/>
+              <a:t>: Use a graph database or other tools to store this information.</a:t>
+            </a:r>
+          </a:p>
+          <a:p>
+            <a:r>
+              <a:rPr lang="en-US" b="1" dirty="0"/>
+              <a:t>Knowledge Graph Visualization</a:t>
+            </a:r>
+            <a:r>
+              <a:rPr lang="en-US" dirty="0"/>
+              <a:t>:</a:t>
+            </a:r>
+          </a:p>
+          <a:p>
+            <a:r>
+              <a:rPr lang="en-US" b="1" dirty="0"/>
+              <a:t>Select Visualization Tool/Library</a:t>
+            </a:r>
+            <a:r>
+              <a:rPr lang="en-US" dirty="0"/>
+              <a:t>: Pick an appropriate visualization tool based on project needs.</a:t>
+            </a:r>
+          </a:p>
+          <a:p>
+            <a:r>
+              <a:rPr lang="en-US" dirty="0"/>
+              <a:t>Present Knowledge Graph to Users: Use the chosen tool to display the knowledge graph to the users.</a:t>
+            </a:r>
+          </a:p>
+          <a:p>
+            <a:r>
+              <a:rPr lang="zh-CN" altLang="en-US" b="0" i="0" dirty="0">
+                <a:solidFill>
+                  <a:srgbClr val="D1D5DB"/>
+                </a:solidFill>
+                <a:effectLst/>
+                <a:latin typeface="Söhne"/>
+              </a:rPr>
+              <a:t>交互性、定制化和集成其他系统</a:t>
+            </a:r>
+            <a:endParaRPr lang="en-US" dirty="0"/>
+          </a:p>
+        </p:txBody>
+      </p:sp>
+    </p:spTree>
+    <p:extLst>
+      <p:ext uri="{BB962C8B-B14F-4D97-AF65-F5344CB8AC3E}">
+        <p14:creationId xmlns:p14="http://schemas.microsoft.com/office/powerpoint/2010/main" val="2391474764"/>
       </p:ext>
     </p:extLst>
   </p:cSld>
@@ -3489,7 +3935,7 @@
                 <a:effectLst/>
                 <a:latin typeface="Consolas" panose="020B0609020204030204" pitchFamily="49" charset="0"/>
               </a:rPr>
-              <a:t>Create a summary website with a similar interface to the target news website, such as a mock version of the Sky news.</a:t>
+              <a:t>Create a summary website with a similar interface to the target news website, such as a mock version of the Sky news/BBC.</a:t>
             </a:r>
           </a:p>
           <a:p>
@@ -3498,7 +3944,7 @@
                 <a:effectLst/>
                 <a:latin typeface="Consolas" panose="020B0609020204030204" pitchFamily="49" charset="0"/>
               </a:rPr>
-              <a:t>Automatically extract news content and generate concise summaries.</a:t>
+              <a:t>Automatically extract news content and generate concise summaries after choosing the website.</a:t>
             </a:r>
           </a:p>
           <a:p>
@@ -3721,11 +4167,13 @@
         </p:nvSpPr>
         <p:spPr/>
         <p:txBody>
-          <a:bodyPr/>
-          <a:lstStyle/>
-          <a:p>
-            <a:r>
-              <a:rPr lang="en-US" b="1" i="0" dirty="0">
+          <a:bodyPr>
+            <a:normAutofit/>
+          </a:bodyPr>
+          <a:lstStyle/>
+          <a:p>
+            <a:r>
+              <a:rPr lang="en-US" sz="2000" b="1" i="0" dirty="0">
                 <a:solidFill>
                   <a:srgbClr val="333333"/>
                 </a:solidFill>
@@ -3740,7 +4188,7 @@
               <a:buNone/>
             </a:pPr>
             <a:r>
-              <a:rPr lang="en-US" b="1" i="0" dirty="0">
+              <a:rPr lang="en-US" sz="2000" b="1" i="0" dirty="0">
                 <a:solidFill>
                   <a:srgbClr val="333333"/>
                 </a:solidFill>
@@ -3750,7 +4198,7 @@
               <a:t>	--- </a:t>
             </a:r>
             <a:r>
-              <a:rPr lang="en-US" b="0" i="0" u="none" strike="noStrike" dirty="0">
+              <a:rPr lang="en-US" sz="2000" b="0" i="0" u="none" strike="noStrike" dirty="0">
                 <a:solidFill>
                   <a:srgbClr val="006699"/>
                 </a:solidFill>
@@ -3761,7 +4209,7 @@
               <a:t>Rahul</a:t>
             </a:r>
             <a:r>
-              <a:rPr lang="en-US" b="0" i="0" dirty="0">
+              <a:rPr lang="en-US" sz="2000" b="0" i="0" dirty="0">
                 <a:solidFill>
                   <a:srgbClr val="333333"/>
                 </a:solidFill>
@@ -3771,7 +4219,7 @@
               <a:t>; </a:t>
             </a:r>
             <a:r>
-              <a:rPr lang="en-US" b="0" i="0" u="none" strike="noStrike" dirty="0">
+              <a:rPr lang="en-US" sz="2000" b="0" i="0" u="none" strike="noStrike" dirty="0">
                 <a:solidFill>
                   <a:srgbClr val="006699"/>
                 </a:solidFill>
@@ -3782,7 +4230,7 @@
               <a:t>Surabhi Adhikari</a:t>
             </a:r>
             <a:r>
-              <a:rPr lang="en-US" b="0" i="0" dirty="0">
+              <a:rPr lang="en-US" sz="2000" b="0" i="0" dirty="0">
                 <a:solidFill>
                   <a:srgbClr val="333333"/>
                 </a:solidFill>
@@ -3792,7 +4240,7 @@
               <a:t>; </a:t>
             </a:r>
             <a:r>
-              <a:rPr lang="en-US" b="0" i="0" u="none" strike="noStrike" dirty="0">
+              <a:rPr lang="en-US" sz="2000" b="0" i="0" u="none" strike="noStrike" dirty="0">
                 <a:solidFill>
                   <a:srgbClr val="006699"/>
                 </a:solidFill>
@@ -3802,7 +4250,7 @@
               </a:rPr>
               <a:t>Monika</a:t>
             </a:r>
-            <a:endParaRPr lang="en-US" b="1" i="0" dirty="0">
+            <a:endParaRPr lang="en-US" sz="2000" b="1" i="0" dirty="0">
               <a:solidFill>
                 <a:srgbClr val="333333"/>
               </a:solidFill>
@@ -3812,7 +4260,7 @@
           </a:p>
           <a:p>
             <a:r>
-              <a:rPr lang="en-US" b="1" i="0" dirty="0" err="1">
+              <a:rPr lang="en-US" sz="2000" b="1" i="0" dirty="0" err="1">
                 <a:solidFill>
                   <a:srgbClr val="333333"/>
                 </a:solidFill>
@@ -3822,7 +4270,7 @@
               <a:t>CoVShorts</a:t>
             </a:r>
             <a:r>
-              <a:rPr lang="en-US" b="1" i="0" dirty="0">
+              <a:rPr lang="en-US" sz="2000" b="1" i="0" dirty="0">
                 <a:solidFill>
                   <a:srgbClr val="333333"/>
                 </a:solidFill>
@@ -3837,7 +4285,7 @@
               <a:buNone/>
             </a:pPr>
             <a:r>
-              <a:rPr lang="en-US" b="1" i="0" dirty="0">
+              <a:rPr lang="en-US" sz="2000" b="1" i="0" dirty="0">
                 <a:solidFill>
                   <a:srgbClr val="333333"/>
                 </a:solidFill>
@@ -3847,7 +4295,7 @@
               <a:t>	---</a:t>
             </a:r>
             <a:r>
-              <a:rPr lang="en-US" b="0" i="0" u="none" strike="noStrike" dirty="0">
+              <a:rPr lang="en-US" sz="2000" b="0" i="0" u="none" strike="noStrike" dirty="0">
                 <a:solidFill>
                   <a:srgbClr val="006699"/>
                 </a:solidFill>
@@ -3858,7 +4306,7 @@
               <a:t> </a:t>
             </a:r>
             <a:r>
-              <a:rPr lang="en-US" b="0" i="0" u="none" strike="noStrike" dirty="0" err="1">
+              <a:rPr lang="en-US" sz="2000" b="0" i="0" u="none" strike="noStrike" dirty="0" err="1">
                 <a:solidFill>
                   <a:srgbClr val="006699"/>
                 </a:solidFill>
@@ -3869,7 +4317,7 @@
               <a:t>Hunar</a:t>
             </a:r>
             <a:r>
-              <a:rPr lang="en-US" b="0" i="0" u="none" strike="noStrike" dirty="0">
+              <a:rPr lang="en-US" sz="2000" b="0" i="0" u="none" strike="noStrike" dirty="0">
                 <a:solidFill>
                   <a:srgbClr val="006699"/>
                 </a:solidFill>
@@ -3880,7 +4328,7 @@
               <a:t> Batra</a:t>
             </a:r>
             <a:r>
-              <a:rPr lang="en-US" b="0" i="0" dirty="0">
+              <a:rPr lang="en-US" sz="2000" b="0" i="0" dirty="0">
                 <a:solidFill>
                   <a:srgbClr val="333333"/>
                 </a:solidFill>
@@ -3890,7 +4338,7 @@
               <a:t>; </a:t>
             </a:r>
             <a:r>
-              <a:rPr lang="en-US" b="0" i="0" u="none" strike="noStrike" dirty="0">
+              <a:rPr lang="en-US" sz="2000" b="0" i="0" u="none" strike="noStrike" dirty="0">
                 <a:solidFill>
                   <a:srgbClr val="006699"/>
                 </a:solidFill>
@@ -3901,7 +4349,7 @@
               <a:t>Akansha Jain</a:t>
             </a:r>
             <a:r>
-              <a:rPr lang="en-US" b="0" i="0" dirty="0">
+              <a:rPr lang="en-US" sz="2000" b="0" i="0" dirty="0">
                 <a:solidFill>
                   <a:srgbClr val="333333"/>
                 </a:solidFill>
@@ -3911,7 +4359,7 @@
               <a:t>; </a:t>
             </a:r>
             <a:r>
-              <a:rPr lang="en-US" b="0" i="0" u="none" strike="noStrike" dirty="0">
+              <a:rPr lang="en-US" sz="2000" b="0" i="0" u="none" strike="noStrike" dirty="0">
                 <a:solidFill>
                   <a:srgbClr val="006699"/>
                 </a:solidFill>
@@ -3922,7 +4370,7 @@
               <a:t>Gargi Bisht</a:t>
             </a:r>
             <a:r>
-              <a:rPr lang="en-US" b="0" i="0" dirty="0">
+              <a:rPr lang="en-US" sz="2000" b="0" i="0" dirty="0">
                 <a:solidFill>
                   <a:srgbClr val="333333"/>
                 </a:solidFill>
@@ -3932,7 +4380,7 @@
               <a:t>; </a:t>
             </a:r>
             <a:r>
-              <a:rPr lang="en-US" b="0" i="0" u="none" strike="noStrike" dirty="0">
+              <a:rPr lang="en-US" sz="2000" b="0" i="0" u="none" strike="noStrike" dirty="0">
                 <a:solidFill>
                   <a:srgbClr val="006699"/>
                 </a:solidFill>
@@ -3943,7 +4391,7 @@
               <a:t>Khushi Srivastava</a:t>
             </a:r>
             <a:r>
-              <a:rPr lang="en-US" b="0" i="0" dirty="0">
+              <a:rPr lang="en-US" sz="2000" b="0" i="0" dirty="0">
                 <a:solidFill>
                   <a:srgbClr val="333333"/>
                 </a:solidFill>
@@ -3953,7 +4401,7 @@
               <a:t>; </a:t>
             </a:r>
             <a:r>
-              <a:rPr lang="en-US" b="0" i="0" u="none" strike="noStrike" dirty="0">
+              <a:rPr lang="en-US" sz="2000" b="0" i="0" u="none" strike="noStrike" dirty="0">
                 <a:solidFill>
                   <a:srgbClr val="006699"/>
                 </a:solidFill>
@@ -3964,7 +4412,7 @@
               <a:t>Meenakshi Bharadwaj</a:t>
             </a:r>
             <a:r>
-              <a:rPr lang="en-US" b="0" i="0" dirty="0">
+              <a:rPr lang="en-US" sz="2000" b="0" i="0" dirty="0">
                 <a:solidFill>
                   <a:srgbClr val="333333"/>
                 </a:solidFill>
@@ -3974,7 +4422,7 @@
               <a:t>; </a:t>
             </a:r>
             <a:r>
-              <a:rPr lang="en-US" b="0" i="0" u="none" strike="noStrike" dirty="0">
+              <a:rPr lang="en-US" sz="2000" b="0" i="0" u="none" strike="noStrike" dirty="0">
                 <a:solidFill>
                   <a:srgbClr val="006699"/>
                 </a:solidFill>
@@ -3985,7 +4433,7 @@
               <a:t>Deepali Bajaj</a:t>
             </a:r>
             <a:r>
-              <a:rPr lang="en-US" b="0" i="0" dirty="0">
+              <a:rPr lang="en-US" sz="2000" b="0" i="0" dirty="0">
                 <a:solidFill>
                   <a:srgbClr val="333333"/>
                 </a:solidFill>
@@ -3995,7 +4443,7 @@
               <a:t>; </a:t>
             </a:r>
             <a:r>
-              <a:rPr lang="en-US" b="0" i="0" u="none" strike="noStrike" dirty="0" err="1">
+              <a:rPr lang="en-US" sz="2000" b="0" i="0" u="none" strike="noStrike" dirty="0" err="1">
                 <a:solidFill>
                   <a:srgbClr val="006699"/>
                 </a:solidFill>
@@ -4006,7 +4454,7 @@
               <a:t>Urmil</a:t>
             </a:r>
             <a:r>
-              <a:rPr lang="en-US" b="0" i="0" u="none" strike="noStrike" dirty="0">
+              <a:rPr lang="en-US" sz="2000" b="0" i="0" u="none" strike="noStrike" dirty="0">
                 <a:solidFill>
                   <a:srgbClr val="006699"/>
                 </a:solidFill>
@@ -4015,6 +4463,55 @@
                 <a:hlinkClick r:id="rId11"/>
               </a:rPr>
               <a:t> Bharti</a:t>
+            </a:r>
+            <a:endParaRPr lang="en-US" sz="2000" b="0" i="0" u="none" strike="noStrike" dirty="0">
+              <a:solidFill>
+                <a:srgbClr val="006699"/>
+              </a:solidFill>
+              <a:effectLst/>
+              <a:latin typeface="Consolas" panose="020B0609020204030204" pitchFamily="49" charset="0"/>
+            </a:endParaRPr>
+          </a:p>
+          <a:p>
+            <a:pPr marL="0" indent="0">
+              <a:buNone/>
+            </a:pPr>
+            <a:endParaRPr lang="en-US" sz="1800" dirty="0">
+              <a:hlinkClick r:id="rId12"/>
+            </a:endParaRPr>
+          </a:p>
+          <a:p>
+            <a:pPr marL="0" indent="0">
+              <a:buNone/>
+            </a:pPr>
+            <a:r>
+              <a:rPr lang="en-US" sz="1800" dirty="0"/>
+              <a:t>Content Aggregator site</a:t>
+            </a:r>
+            <a:endParaRPr lang="en-US" sz="1800" dirty="0">
+              <a:hlinkClick r:id="rId12"/>
+            </a:endParaRPr>
+          </a:p>
+          <a:p>
+            <a:r>
+              <a:rPr lang="en-US" sz="1800" dirty="0">
+                <a:hlinkClick r:id="rId12"/>
+              </a:rPr>
+              <a:t>Welcome to Feedly</a:t>
+            </a:r>
+            <a:endParaRPr lang="en-US" dirty="0">
+              <a:solidFill>
+                <a:srgbClr val="006699"/>
+              </a:solidFill>
+              <a:latin typeface="Consolas" panose="020B0609020204030204" pitchFamily="49" charset="0"/>
+            </a:endParaRPr>
+          </a:p>
+          <a:p>
+            <a:r>
+              <a:rPr lang="en-US" sz="1800" dirty="0">
+                <a:hlinkClick r:id="rId13"/>
+              </a:rPr>
+              <a:t>Panda (usepanda.com)</a:t>
             </a:r>
             <a:endParaRPr lang="en-US" b="1" i="0" dirty="0">
               <a:solidFill>
@@ -4093,90 +4590,40 @@
           </a:p>
         </p:txBody>
       </p:sp>
-      <p:sp>
-        <p:nvSpPr>
-          <p:cNvPr id="3" name="Content Placeholder 2">
-            <a:extLst>
-              <a:ext uri="{FF2B5EF4-FFF2-40B4-BE49-F238E27FC236}">
-                <a16:creationId xmlns:a16="http://schemas.microsoft.com/office/drawing/2014/main" id="{92F647A9-C6B1-3969-81C5-689B19D2574A}"/>
-              </a:ext>
-            </a:extLst>
-          </p:cNvPr>
-          <p:cNvSpPr>
-            <a:spLocks noGrp="1"/>
-          </p:cNvSpPr>
-          <p:nvPr>
-            <p:ph idx="1"/>
-          </p:nvPr>
-        </p:nvSpPr>
-        <p:spPr/>
-        <p:txBody>
-          <a:bodyPr>
-            <a:normAutofit lnSpcReduction="10000"/>
-          </a:bodyPr>
-          <a:lstStyle/>
-          <a:p>
-            <a:r>
-              <a:rPr lang="en-US" b="1" dirty="0">
-                <a:latin typeface="Consolas" panose="020B0609020204030204" pitchFamily="49" charset="0"/>
-              </a:rPr>
-              <a:t>Data Collection</a:t>
-            </a:r>
-            <a:r>
-              <a:rPr lang="en-US" dirty="0">
-                <a:latin typeface="Consolas" panose="020B0609020204030204" pitchFamily="49" charset="0"/>
-              </a:rPr>
-              <a:t>: Collect news content using the target news website’s API or other web scraping techniques.</a:t>
-            </a:r>
-          </a:p>
-          <a:p>
-            <a:r>
-              <a:rPr lang="en-US" b="1" dirty="0">
-                <a:latin typeface="Consolas" panose="020B0609020204030204" pitchFamily="49" charset="0"/>
-              </a:rPr>
-              <a:t>Summary Generation</a:t>
-            </a:r>
-            <a:r>
-              <a:rPr lang="en-US" dirty="0">
-                <a:latin typeface="Consolas" panose="020B0609020204030204" pitchFamily="49" charset="0"/>
-              </a:rPr>
-              <a:t>: Utilize OpenAI API or other advanced summarization algorithms to convert news into short summaries.</a:t>
-            </a:r>
-          </a:p>
-          <a:p>
-            <a:r>
-              <a:rPr lang="en-US" b="1" dirty="0">
-                <a:latin typeface="Consolas" panose="020B0609020204030204" pitchFamily="49" charset="0"/>
-              </a:rPr>
-              <a:t>User Interface Design</a:t>
-            </a:r>
-            <a:r>
-              <a:rPr lang="en-US" dirty="0">
-                <a:latin typeface="Consolas" panose="020B0609020204030204" pitchFamily="49" charset="0"/>
-              </a:rPr>
-              <a:t>: Mimics the interface design of the target news website, but replaces the original content with a summary.</a:t>
-            </a:r>
-          </a:p>
-          <a:p>
-            <a:r>
-              <a:rPr lang="en-US" b="1" dirty="0">
-                <a:latin typeface="Consolas" panose="020B0609020204030204" pitchFamily="49" charset="0"/>
-              </a:rPr>
-              <a:t>User Interaction</a:t>
-            </a:r>
-            <a:r>
-              <a:rPr lang="en-US" dirty="0">
-                <a:latin typeface="Consolas" panose="020B0609020204030204" pitchFamily="49" charset="0"/>
-              </a:rPr>
-              <a:t>: Add features such as user-defined summary length, translation, etc.</a:t>
-            </a:r>
-          </a:p>
-        </p:txBody>
-      </p:sp>
+      <p:pic>
+        <p:nvPicPr>
+          <p:cNvPr id="10" name="Picture 9">
+            <a:extLst>
+              <a:ext uri="{FF2B5EF4-FFF2-40B4-BE49-F238E27FC236}">
+                <a16:creationId xmlns:a16="http://schemas.microsoft.com/office/drawing/2014/main" id="{9B2AD9E1-E9D3-7430-F2EE-B4F19B139662}"/>
+              </a:ext>
+            </a:extLst>
+          </p:cNvPr>
+          <p:cNvPicPr>
+            <a:picLocks noChangeAspect="1"/>
+          </p:cNvPicPr>
+          <p:nvPr/>
+        </p:nvPicPr>
+        <p:blipFill>
+          <a:blip r:embed="rId2"/>
+          <a:stretch>
+            <a:fillRect/>
+          </a:stretch>
+        </p:blipFill>
+        <p:spPr>
+          <a:xfrm>
+            <a:off x="2948901" y="1563687"/>
+            <a:ext cx="6294198" cy="5137572"/>
+          </a:xfrm>
+          <a:prstGeom prst="rect">
+            <a:avLst/>
+          </a:prstGeom>
+        </p:spPr>
+      </p:pic>
     </p:spTree>
     <p:extLst>
       <p:ext uri="{BB962C8B-B14F-4D97-AF65-F5344CB8AC3E}">
-        <p14:creationId xmlns:p14="http://schemas.microsoft.com/office/powerpoint/2010/main" val="265186151"/>
+        <p14:creationId xmlns:p14="http://schemas.microsoft.com/office/powerpoint/2010/main" val="1224755798"/>
       </p:ext>
     </p:extLst>
   </p:cSld>
@@ -4208,7 +4655,7 @@
           <p:cNvPr id="2" name="Title 1">
             <a:extLst>
               <a:ext uri="{FF2B5EF4-FFF2-40B4-BE49-F238E27FC236}">
-                <a16:creationId xmlns:a16="http://schemas.microsoft.com/office/drawing/2014/main" id="{B21BD065-3144-CA58-AB33-B2AEB4C71A28}"/>
+                <a16:creationId xmlns:a16="http://schemas.microsoft.com/office/drawing/2014/main" id="{F2FAD235-B878-7BA7-1B9E-B87F38BEDEAD}"/>
               </a:ext>
             </a:extLst>
           </p:cNvPr>
@@ -4222,7 +4669,7 @@
         <p:spPr/>
         <p:txBody>
           <a:bodyPr>
-            <a:normAutofit/>
+            <a:normAutofit fontScale="90000"/>
           </a:bodyPr>
           <a:lstStyle/>
           <a:p>
@@ -4234,7 +4681,7 @@
                 <a:effectLst/>
                 <a:latin typeface="Consolas" panose="020B0609020204030204" pitchFamily="49" charset="0"/>
               </a:rPr>
-              <a:t>5. Evaluation – how you are going to evaluate your result(s).</a:t>
+              <a:t>4. Methodology – how you are going to address the challenge(s).</a:t>
             </a:r>
             <a:endParaRPr lang="en-US" dirty="0"/>
           </a:p>
@@ -4242,77 +4689,185 @@
       </p:sp>
       <p:sp>
         <p:nvSpPr>
-          <p:cNvPr id="3" name="Content Placeholder 2">
-            <a:extLst>
-              <a:ext uri="{FF2B5EF4-FFF2-40B4-BE49-F238E27FC236}">
-                <a16:creationId xmlns:a16="http://schemas.microsoft.com/office/drawing/2014/main" id="{DF172B05-3A98-7B58-F9EC-82665E2E8257}"/>
-              </a:ext>
-            </a:extLst>
-          </p:cNvPr>
-          <p:cNvSpPr>
-            <a:spLocks noGrp="1"/>
-          </p:cNvSpPr>
-          <p:nvPr>
-            <p:ph idx="1"/>
-          </p:nvPr>
-        </p:nvSpPr>
-        <p:spPr/>
-        <p:txBody>
-          <a:bodyPr/>
-          <a:lstStyle/>
-          <a:p>
-            <a:r>
-              <a:rPr lang="en-US" b="1" dirty="0">
-                <a:latin typeface="Consolas" panose="020B0609020204030204" pitchFamily="49" charset="0"/>
-              </a:rPr>
-              <a:t>Automatic evaluation</a:t>
-            </a:r>
-            <a:r>
-              <a:rPr lang="en-US" dirty="0">
-                <a:latin typeface="Consolas" panose="020B0609020204030204" pitchFamily="49" charset="0"/>
-              </a:rPr>
-              <a:t>: Automatically evaluate the generated summary using evaluation indicators such as </a:t>
-            </a:r>
-            <a:r>
-              <a:rPr lang="en-US" dirty="0">
-                <a:latin typeface="Consolas" panose="020B0609020204030204" pitchFamily="49" charset="0"/>
-                <a:hlinkClick r:id="rId2"/>
-              </a:rPr>
-              <a:t>ROUGE, BLEU </a:t>
-            </a:r>
-            <a:r>
-              <a:rPr lang="en-US" dirty="0">
-                <a:latin typeface="Consolas" panose="020B0609020204030204" pitchFamily="49" charset="0"/>
-              </a:rPr>
-              <a:t>and so on.</a:t>
-            </a:r>
-          </a:p>
-          <a:p>
-            <a:r>
-              <a:rPr lang="en-US" b="1" dirty="0">
-                <a:latin typeface="Consolas" panose="020B0609020204030204" pitchFamily="49" charset="0"/>
-              </a:rPr>
-              <a:t>User Feedback</a:t>
-            </a:r>
-            <a:r>
-              <a:rPr lang="en-US" dirty="0">
-                <a:latin typeface="Consolas" panose="020B0609020204030204" pitchFamily="49" charset="0"/>
-              </a:rPr>
-              <a:t>: Collect user evaluations on summary quality through user surveys and feedback mechanisms.</a:t>
-            </a:r>
-          </a:p>
-          <a:p>
-            <a:r>
-              <a:rPr lang="en-US" b="1" dirty="0">
-                <a:latin typeface="Consolas" panose="020B0609020204030204" pitchFamily="49" charset="0"/>
-              </a:rPr>
-              <a:t>Performance Evaluation</a:t>
-            </a:r>
-            <a:r>
-              <a:rPr lang="en-US" dirty="0">
-                <a:latin typeface="Consolas" panose="020B0609020204030204" pitchFamily="49" charset="0"/>
-              </a:rPr>
-              <a:t>: Test the website's response speed, summary generation speed, and user interface fluency.</a:t>
+          <p:cNvPr id="8" name="TextBox 7">
+            <a:extLst>
+              <a:ext uri="{FF2B5EF4-FFF2-40B4-BE49-F238E27FC236}">
+                <a16:creationId xmlns:a16="http://schemas.microsoft.com/office/drawing/2014/main" id="{074636CD-87FD-ABBE-A733-A5F36DD4E4A9}"/>
+              </a:ext>
+            </a:extLst>
+          </p:cNvPr>
+          <p:cNvSpPr txBox="1"/>
+          <p:nvPr/>
+        </p:nvSpPr>
+        <p:spPr>
+          <a:xfrm>
+            <a:off x="174892" y="1549400"/>
+            <a:ext cx="11864708" cy="4801314"/>
+          </a:xfrm>
+          <a:prstGeom prst="rect">
+            <a:avLst/>
+          </a:prstGeom>
+          <a:noFill/>
+        </p:spPr>
+        <p:txBody>
+          <a:bodyPr wrap="square" rtlCol="0">
+            <a:spAutoFit/>
+          </a:bodyPr>
+          <a:lstStyle/>
+          <a:p>
+            <a:r>
+              <a:rPr lang="en-US" b="1" dirty="0"/>
+              <a:t>User selects news source</a:t>
+            </a:r>
+            <a:r>
+              <a:rPr lang="en-US" dirty="0"/>
+              <a:t>: User chooses the news source they wish to browse on the website.</a:t>
+            </a:r>
+          </a:p>
+          <a:p>
+            <a:r>
+              <a:rPr lang="en-US" b="1" dirty="0"/>
+              <a:t>Check if news source offers API</a:t>
+            </a:r>
+            <a:r>
+              <a:rPr lang="en-US" dirty="0"/>
+              <a:t>: The system first checks if the selected news source offers an API.</a:t>
+            </a:r>
+          </a:p>
+          <a:p>
+            <a:r>
+              <a:rPr lang="en-US" b="1" dirty="0"/>
+              <a:t>If Yes</a:t>
+            </a:r>
+            <a:r>
+              <a:rPr lang="en-US" dirty="0"/>
+              <a:t>: It proceeds to Request the news API for a list of news.</a:t>
+            </a:r>
+          </a:p>
+          <a:p>
+            <a:r>
+              <a:rPr lang="en-US" b="1" dirty="0"/>
+              <a:t>If No</a:t>
+            </a:r>
+            <a:r>
+              <a:rPr lang="en-US" dirty="0"/>
+              <a:t>: The system will Initiate a web crawler to scrape the selected news source's site.</a:t>
+            </a:r>
+          </a:p>
+          <a:p>
+            <a:r>
+              <a:rPr lang="en-US" dirty="0"/>
+              <a:t>Gather news list:</a:t>
+            </a:r>
+          </a:p>
+          <a:p>
+            <a:r>
+              <a:rPr lang="en-US" b="1" dirty="0"/>
+              <a:t>If via API</a:t>
+            </a:r>
+            <a:r>
+              <a:rPr lang="en-US" dirty="0"/>
+              <a:t>: Gather news list from API response and then Match API content with website UI design.</a:t>
+            </a:r>
+          </a:p>
+          <a:p>
+            <a:r>
+              <a:rPr lang="en-US" b="1" dirty="0"/>
+              <a:t>If via crawler</a:t>
+            </a:r>
+            <a:r>
+              <a:rPr lang="en-US" dirty="0"/>
+              <a:t>: Extract news list from crawled data.</a:t>
+            </a:r>
+          </a:p>
+          <a:p>
+            <a:r>
+              <a:rPr lang="en-US" b="1" dirty="0"/>
+              <a:t>User selects specific news</a:t>
+            </a:r>
+            <a:r>
+              <a:rPr lang="en-US" dirty="0"/>
+              <a:t>: Regardless of the source, when a user clicks on a news headline,</a:t>
+            </a:r>
+          </a:p>
+          <a:p>
+            <a:r>
+              <a:rPr lang="en-US" b="1" dirty="0"/>
+              <a:t>For API</a:t>
+            </a:r>
+            <a:r>
+              <a:rPr lang="en-US" dirty="0"/>
+              <a:t>: Request the detailed news article via API.</a:t>
+            </a:r>
+          </a:p>
+          <a:p>
+            <a:r>
+              <a:rPr lang="en-US" b="1" dirty="0"/>
+              <a:t>For crawler</a:t>
+            </a:r>
+            <a:r>
+              <a:rPr lang="en-US" dirty="0"/>
+              <a:t>: Request the detailed news article via web crawler.</a:t>
+            </a:r>
+          </a:p>
+          <a:p>
+            <a:r>
+              <a:rPr lang="en-US" b="1" dirty="0"/>
+              <a:t>Automatic summary generation</a:t>
+            </a:r>
+            <a:r>
+              <a:rPr lang="en-US" dirty="0"/>
+              <a:t>:</a:t>
+            </a:r>
+          </a:p>
+          <a:p>
+            <a:r>
+              <a:rPr lang="en-US" b="1" dirty="0"/>
+              <a:t>For API</a:t>
+            </a:r>
+            <a:r>
+              <a:rPr lang="en-US" dirty="0"/>
+              <a:t>: Generate summary for selected news via API.</a:t>
+            </a:r>
+          </a:p>
+          <a:p>
+            <a:r>
+              <a:rPr lang="en-US" b="1" dirty="0"/>
+              <a:t>For crawler</a:t>
+            </a:r>
+            <a:r>
+              <a:rPr lang="en-US" dirty="0"/>
+              <a:t>: Generate summary for selected news via web crawler.</a:t>
+            </a:r>
+          </a:p>
+          <a:p>
+            <a:r>
+              <a:rPr lang="en-US" b="1" dirty="0"/>
+              <a:t>Display summary on mirror website</a:t>
+            </a:r>
+            <a:r>
+              <a:rPr lang="en-US" dirty="0"/>
+              <a:t>: Show the generated news summary to the user.</a:t>
+            </a:r>
+          </a:p>
+          <a:p>
+            <a:r>
+              <a:rPr lang="en-US" b="1" dirty="0"/>
+              <a:t>Original article link</a:t>
+            </a:r>
+            <a:r>
+              <a:rPr lang="en-US" dirty="0"/>
+              <a:t>:</a:t>
+            </a:r>
+          </a:p>
+          <a:p>
+            <a:r>
+              <a:rPr lang="en-US" b="1" dirty="0"/>
+              <a:t>Guide user to original news website</a:t>
+            </a:r>
+            <a:r>
+              <a:rPr lang="en-US" dirty="0"/>
+              <a:t>: Provide a link for the user to navigate to the original news website and read the complete news article.</a:t>
             </a:r>
           </a:p>
         </p:txBody>
@@ -4320,7 +4875,7 @@
     </p:spTree>
     <p:extLst>
       <p:ext uri="{BB962C8B-B14F-4D97-AF65-F5344CB8AC3E}">
-        <p14:creationId xmlns:p14="http://schemas.microsoft.com/office/powerpoint/2010/main" val="816148851"/>
+        <p14:creationId xmlns:p14="http://schemas.microsoft.com/office/powerpoint/2010/main" val="265186151"/>
       </p:ext>
     </p:extLst>
   </p:cSld>
@@ -4352,6 +4907,150 @@
           <p:cNvPr id="2" name="Title 1">
             <a:extLst>
               <a:ext uri="{FF2B5EF4-FFF2-40B4-BE49-F238E27FC236}">
+                <a16:creationId xmlns:a16="http://schemas.microsoft.com/office/drawing/2014/main" id="{B21BD065-3144-CA58-AB33-B2AEB4C71A28}"/>
+              </a:ext>
+            </a:extLst>
+          </p:cNvPr>
+          <p:cNvSpPr>
+            <a:spLocks noGrp="1"/>
+          </p:cNvSpPr>
+          <p:nvPr>
+            <p:ph type="title"/>
+          </p:nvPr>
+        </p:nvSpPr>
+        <p:spPr/>
+        <p:txBody>
+          <a:bodyPr>
+            <a:normAutofit/>
+          </a:bodyPr>
+          <a:lstStyle/>
+          <a:p>
+            <a:r>
+              <a:rPr lang="en-US" b="1" dirty="0">
+                <a:solidFill>
+                  <a:srgbClr val="569CD6"/>
+                </a:solidFill>
+                <a:effectLst/>
+                <a:latin typeface="Consolas" panose="020B0609020204030204" pitchFamily="49" charset="0"/>
+              </a:rPr>
+              <a:t>5. Evaluation – how you are going to evaluate your result(s).</a:t>
+            </a:r>
+            <a:endParaRPr lang="en-US" dirty="0"/>
+          </a:p>
+        </p:txBody>
+      </p:sp>
+      <p:sp>
+        <p:nvSpPr>
+          <p:cNvPr id="3" name="Content Placeholder 2">
+            <a:extLst>
+              <a:ext uri="{FF2B5EF4-FFF2-40B4-BE49-F238E27FC236}">
+                <a16:creationId xmlns:a16="http://schemas.microsoft.com/office/drawing/2014/main" id="{DF172B05-3A98-7B58-F9EC-82665E2E8257}"/>
+              </a:ext>
+            </a:extLst>
+          </p:cNvPr>
+          <p:cNvSpPr>
+            <a:spLocks noGrp="1"/>
+          </p:cNvSpPr>
+          <p:nvPr>
+            <p:ph idx="1"/>
+          </p:nvPr>
+        </p:nvSpPr>
+        <p:spPr/>
+        <p:txBody>
+          <a:bodyPr/>
+          <a:lstStyle/>
+          <a:p>
+            <a:r>
+              <a:rPr lang="en-US" b="1" dirty="0">
+                <a:latin typeface="Consolas" panose="020B0609020204030204" pitchFamily="49" charset="0"/>
+              </a:rPr>
+              <a:t>Automatic evaluation</a:t>
+            </a:r>
+            <a:r>
+              <a:rPr lang="en-US" dirty="0">
+                <a:latin typeface="Consolas" panose="020B0609020204030204" pitchFamily="49" charset="0"/>
+              </a:rPr>
+              <a:t>: Automatically evaluate the generated summary using evaluation indicators such as </a:t>
+            </a:r>
+            <a:r>
+              <a:rPr lang="en-US" dirty="0">
+                <a:latin typeface="Consolas" panose="020B0609020204030204" pitchFamily="49" charset="0"/>
+                <a:hlinkClick r:id="rId2"/>
+              </a:rPr>
+              <a:t>ROUGE, BLEU </a:t>
+            </a:r>
+            <a:r>
+              <a:rPr lang="en-US" dirty="0">
+                <a:latin typeface="Consolas" panose="020B0609020204030204" pitchFamily="49" charset="0"/>
+              </a:rPr>
+              <a:t>and so on.</a:t>
+            </a:r>
+          </a:p>
+          <a:p>
+            <a:r>
+              <a:rPr lang="en-US" b="1" dirty="0">
+                <a:latin typeface="Consolas" panose="020B0609020204030204" pitchFamily="49" charset="0"/>
+              </a:rPr>
+              <a:t>User Feedback</a:t>
+            </a:r>
+            <a:r>
+              <a:rPr lang="en-US" dirty="0">
+                <a:latin typeface="Consolas" panose="020B0609020204030204" pitchFamily="49" charset="0"/>
+              </a:rPr>
+              <a:t>: Collect user evaluations on summary quality through user surveys and feedback mechanisms.</a:t>
+            </a:r>
+          </a:p>
+          <a:p>
+            <a:r>
+              <a:rPr lang="en-US" b="1" dirty="0">
+                <a:latin typeface="Consolas" panose="020B0609020204030204" pitchFamily="49" charset="0"/>
+              </a:rPr>
+              <a:t>Performance Evaluation</a:t>
+            </a:r>
+            <a:r>
+              <a:rPr lang="en-US" dirty="0">
+                <a:latin typeface="Consolas" panose="020B0609020204030204" pitchFamily="49" charset="0"/>
+              </a:rPr>
+              <a:t>: Test the website's response speed, summary generation speed, and user interface fluency.</a:t>
+            </a:r>
+          </a:p>
+        </p:txBody>
+      </p:sp>
+    </p:spTree>
+    <p:extLst>
+      <p:ext uri="{BB962C8B-B14F-4D97-AF65-F5344CB8AC3E}">
+        <p14:creationId xmlns:p14="http://schemas.microsoft.com/office/powerpoint/2010/main" val="816148851"/>
+      </p:ext>
+    </p:extLst>
+  </p:cSld>
+  <p:clrMapOvr>
+    <a:masterClrMapping/>
+  </p:clrMapOvr>
+</p:sld>
+</file>
+
+<file path=ppt/slides/slide8.xml><?xml version="1.0" encoding="utf-8"?>
+<p:sld xmlns:a="http://schemas.openxmlformats.org/drawingml/2006/main" xmlns:r="http://schemas.openxmlformats.org/officeDocument/2006/relationships" xmlns:p="http://schemas.openxmlformats.org/presentationml/2006/main">
+  <p:cSld>
+    <p:spTree>
+      <p:nvGrpSpPr>
+        <p:cNvPr id="1" name=""/>
+        <p:cNvGrpSpPr/>
+        <p:nvPr/>
+      </p:nvGrpSpPr>
+      <p:grpSpPr>
+        <a:xfrm>
+          <a:off x="0" y="0"/>
+          <a:ext cx="0" cy="0"/>
+          <a:chOff x="0" y="0"/>
+          <a:chExt cx="0" cy="0"/>
+        </a:xfrm>
+      </p:grpSpPr>
+      <p:sp>
+        <p:nvSpPr>
+          <p:cNvPr id="2" name="Title 1">
+            <a:extLst>
+              <a:ext uri="{FF2B5EF4-FFF2-40B4-BE49-F238E27FC236}">
                 <a16:creationId xmlns:a16="http://schemas.microsoft.com/office/drawing/2014/main" id="{1BBC7103-D04E-0D4D-6454-04847C4B420D}"/>
               </a:ext>
             </a:extLst>
@@ -4402,19 +5101,15 @@
               <a:rPr lang="en-US" dirty="0">
                 <a:latin typeface="Consolas" panose="020B0609020204030204" pitchFamily="49" charset="0"/>
               </a:rPr>
-              <a:t>News website with videos/Live News(</a:t>
-            </a:r>
-            <a:r>
-              <a:rPr lang="en-US" dirty="0" err="1">
-                <a:latin typeface="Consolas" panose="020B0609020204030204" pitchFamily="49" charset="0"/>
-              </a:rPr>
-              <a:t>Upate</a:t>
-            </a:r>
+              <a:t>API limitations and reliability</a:t>
+            </a:r>
+          </a:p>
+          <a:p>
             <a:r>
               <a:rPr lang="en-US" dirty="0">
                 <a:latin typeface="Consolas" panose="020B0609020204030204" pitchFamily="49" charset="0"/>
               </a:rPr>
-              <a:t> in real-time)</a:t>
+              <a:t>The stability and legal risks of web crawlers</a:t>
             </a:r>
           </a:p>
           <a:p>
@@ -4422,7 +5117,7 @@
               <a:rPr lang="en-US" dirty="0">
                 <a:latin typeface="Consolas" panose="020B0609020204030204" pitchFamily="49" charset="0"/>
               </a:rPr>
-              <a:t>Fake website interface should be adjusted. </a:t>
+              <a:t>Quality of content summary</a:t>
             </a:r>
           </a:p>
           <a:p>
@@ -4430,7 +5125,7 @@
               <a:rPr lang="en-US" dirty="0">
                 <a:latin typeface="Consolas" panose="020B0609020204030204" pitchFamily="49" charset="0"/>
               </a:rPr>
-              <a:t>User interface(Translation/Adjust the length of the summary)</a:t>
+              <a:t>UI design matches content</a:t>
             </a:r>
           </a:p>
           <a:p>
@@ -4438,7 +5133,7 @@
               <a:rPr lang="en-US" dirty="0">
                 <a:latin typeface="Consolas" panose="020B0609020204030204" pitchFamily="49" charset="0"/>
               </a:rPr>
-              <a:t>Allow user to login/not</a:t>
+              <a:t>user experience</a:t>
             </a:r>
           </a:p>
           <a:p>
@@ -4446,7 +5141,7 @@
               <a:rPr lang="en-US" dirty="0">
                 <a:latin typeface="Consolas" panose="020B0609020204030204" pitchFamily="49" charset="0"/>
               </a:rPr>
-              <a:t>Remove ADs</a:t>
+              <a:t>Data storage and management</a:t>
             </a:r>
           </a:p>
         </p:txBody>
@@ -4455,6 +5150,68 @@
     <p:extLst>
       <p:ext uri="{BB962C8B-B14F-4D97-AF65-F5344CB8AC3E}">
         <p14:creationId xmlns:p14="http://schemas.microsoft.com/office/powerpoint/2010/main" val="3239826911"/>
+      </p:ext>
+    </p:extLst>
+  </p:cSld>
+  <p:clrMapOvr>
+    <a:masterClrMapping/>
+  </p:clrMapOvr>
+</p:sld>
+</file>
+
+<file path=ppt/slides/slide9.xml><?xml version="1.0" encoding="utf-8"?>
+<p:sld xmlns:a="http://schemas.openxmlformats.org/drawingml/2006/main" xmlns:r="http://schemas.openxmlformats.org/officeDocument/2006/relationships" xmlns:p="http://schemas.openxmlformats.org/presentationml/2006/main">
+  <p:cSld>
+    <p:spTree>
+      <p:nvGrpSpPr>
+        <p:cNvPr id="1" name=""/>
+        <p:cNvGrpSpPr/>
+        <p:nvPr/>
+      </p:nvGrpSpPr>
+      <p:grpSpPr>
+        <a:xfrm>
+          <a:off x="0" y="0"/>
+          <a:ext cx="0" cy="0"/>
+          <a:chOff x="0" y="0"/>
+          <a:chExt cx="0" cy="0"/>
+        </a:xfrm>
+      </p:grpSpPr>
+      <p:sp>
+        <p:nvSpPr>
+          <p:cNvPr id="2" name="Title 1">
+            <a:extLst>
+              <a:ext uri="{FF2B5EF4-FFF2-40B4-BE49-F238E27FC236}">
+                <a16:creationId xmlns:a16="http://schemas.microsoft.com/office/drawing/2014/main" id="{F4167F8E-EB94-588E-671B-680D1C3D97CF}"/>
+              </a:ext>
+            </a:extLst>
+          </p:cNvPr>
+          <p:cNvSpPr>
+            <a:spLocks noGrp="1"/>
+          </p:cNvSpPr>
+          <p:nvPr>
+            <p:ph type="ctrTitle"/>
+          </p:nvPr>
+        </p:nvSpPr>
+        <p:spPr/>
+        <p:txBody>
+          <a:bodyPr/>
+          <a:lstStyle/>
+          <a:p>
+            <a:r>
+              <a:rPr lang="en-US" b="1" i="0" dirty="0">
+                <a:effectLst/>
+                <a:latin typeface="Söhne"/>
+              </a:rPr>
+              <a:t>News Knowledge Graph and Summarization System</a:t>
+            </a:r>
+            <a:endParaRPr lang="en-US" dirty="0"/>
+          </a:p>
+        </p:txBody>
+      </p:sp>
+    </p:spTree>
+    <p:extLst>
+      <p:ext uri="{BB962C8B-B14F-4D97-AF65-F5344CB8AC3E}">
+        <p14:creationId xmlns:p14="http://schemas.microsoft.com/office/powerpoint/2010/main" val="2371761253"/>
       </p:ext>
     </p:extLst>
   </p:cSld>
